--- a/Powershell Loves SQL Server - New Module and Community Modules/PowerSHell Loves SQL Server - New Module and Community Modules.pptx
+++ b/Powershell Loves SQL Server - New Module and Community Modules/PowerSHell Loves SQL Server - New Module and Community Modules.pptx
@@ -4603,6 +4603,45 @@
           </a:prstGeom>
         </p:spPr>
       </p:pic>
+      <p:sp>
+        <p:nvSpPr>
+          <p:cNvPr id="7" name="TextBox 6"/>
+          <p:cNvSpPr txBox="1"/>
+          <p:nvPr/>
+        </p:nvSpPr>
+        <p:spPr>
+          <a:xfrm>
+            <a:off x="2291137" y="5030220"/>
+            <a:ext cx="7444631" cy="369332"/>
+          </a:xfrm>
+          <a:prstGeom prst="rect">
+            <a:avLst/>
+          </a:prstGeom>
+          <a:noFill/>
+        </p:spPr>
+        <p:txBody>
+          <a:bodyPr wrap="square" rtlCol="0">
+            <a:spAutoFit/>
+          </a:bodyPr>
+          <a:lstStyle/>
+          <a:p>
+            <a:r>
+              <a:rPr lang="en-GB" dirty="0"/>
+              <a:t>Slides and Demo - </a:t>
+            </a:r>
+            <a:r>
+              <a:rPr lang="en-GB" dirty="0">
+                <a:hlinkClick r:id="rId5"/>
+              </a:rPr>
+              <a:t>https://github.com/SQLDBAWithABeard/Presentations</a:t>
+            </a:r>
+            <a:r>
+              <a:rPr lang="en-GB" dirty="0"/>
+              <a:t> </a:t>
+            </a:r>
+          </a:p>
+        </p:txBody>
+      </p:sp>
     </p:spTree>
     <p:extLst>
       <p:ext uri="{BB962C8B-B14F-4D97-AF65-F5344CB8AC3E}">
